--- a/teaching/cs513-autocps-fall-2025/slides/ModelsOfComputation.pptx
+++ b/teaching/cs513-autocps-fall-2025/slides/ModelsOfComputation.pptx
@@ -269,7 +269,7 @@
           <a:p>
             <a:fld id="{459B985A-4C37-4D1F-A437-E4A951A85D11}" type="datetimeFigureOut">
               <a:rPr lang="en-US" smtClean="0"/>
-              <a:t>9/9/2024</a:t>
+              <a:t>8/25/2025</a:t>
             </a:fld>
             <a:endParaRPr lang="en-US"/>
           </a:p>
@@ -670,7 +670,7 @@
           <a:p>
             <a:fld id="{6580C23F-98B7-41D4-A9FA-15A275A51486}" type="datetimeFigureOut">
               <a:rPr lang="en-US" smtClean="0"/>
-              <a:t>9/9/2024</a:t>
+              <a:t>8/25/2025</a:t>
             </a:fld>
             <a:endParaRPr lang="en-US"/>
           </a:p>
@@ -1608,7 +1608,7 @@
           <p:nvPr userDrawn="1"/>
         </p:nvPicPr>
         <mc:AlternateContent xmlns:mc="http://schemas.openxmlformats.org/markup-compatibility/2006">
-          <mc:Choice xmlns:ma="http://schemas.microsoft.com/office/mac/drawingml/2008/main" xmlns:mv="urn:schemas-microsoft-com:mac:vml" xmlns="" Requires="ma">
+          <mc:Choice xmlns="" xmlns:mv="urn:schemas-microsoft-com:mac:vml" xmlns:ma="http://schemas.microsoft.com/office/mac/drawingml/2008/main" Requires="ma">
             <p:blipFill>
               <a:blip r:embed="rId3"/>
               <a:stretch>
@@ -2587,7 +2587,7 @@
           <a:p>
             <a:r>
               <a:rPr lang="en-US" dirty="0"/>
-              <a:t>Fall 2024. CSCI 513.</a:t>
+              <a:t>Fall 2025. CSCI 513.</a:t>
             </a:r>
           </a:p>
           <a:p>
@@ -30613,38 +30613,6 @@
           <a:bodyPr/>
           <a:lstStyle/>
           <a:p>
-            <a:r>
-              <a:rPr lang="en-US" dirty="0"/>
-              <a:t>Homework 1 on Brightspace</a:t>
-            </a:r>
-          </a:p>
-          <a:p>
-            <a:r>
-              <a:rPr lang="en-US" dirty="0"/>
-              <a:t>Due date: September 16, 2023, Time: 23:59.59 </a:t>
-            </a:r>
-            <a:r>
-              <a:rPr lang="en-US" dirty="0" err="1"/>
-              <a:t>AoE</a:t>
-            </a:r>
-            <a:endParaRPr lang="en-US" dirty="0"/>
-          </a:p>
-          <a:p>
-            <a:r>
-              <a:rPr lang="en-US" dirty="0"/>
-              <a:t>Submit on Brightspace as a single pdf</a:t>
-            </a:r>
-            <a:endParaRPr lang="en-US" dirty="0">
-              <a:sym typeface="Wingdings" panose="05000000000000000000" pitchFamily="2" charset="2"/>
-            </a:endParaRPr>
-          </a:p>
-          <a:p>
-            <a:r>
-              <a:rPr lang="en-US" dirty="0">
-                <a:sym typeface="Wingdings" panose="05000000000000000000" pitchFamily="2" charset="2"/>
-              </a:rPr>
-              <a:t>Today: Asynchronous and Timed Components</a:t>
-            </a:r>
             <a:endParaRPr lang="en-US" dirty="0"/>
           </a:p>
         </p:txBody>
@@ -41878,8 +41846,8 @@
           <a:chExt cx="0" cy="0"/>
         </a:xfrm>
       </p:grpSpPr>
-      <mc:AlternateContent xmlns:mc="http://schemas.openxmlformats.org/markup-compatibility/2006">
-        <mc:Choice xmlns:a14="http://schemas.microsoft.com/office/drawing/2010/main" Requires="a14">
+      <mc:AlternateContent xmlns:mc="http://schemas.openxmlformats.org/markup-compatibility/2006" xmlns:a14="http://schemas.microsoft.com/office/drawing/2010/main">
+        <mc:Choice Requires="a14">
           <p:sp>
             <p:nvSpPr>
               <p:cNvPr id="2" name="Content Placeholder 1">
@@ -42150,7 +42118,7 @@
             </p:txBody>
           </p:sp>
         </mc:Choice>
-        <mc:Fallback>
+        <mc:Fallback xmlns="">
           <p:sp>
             <p:nvSpPr>
               <p:cNvPr id="2" name="Content Placeholder 1">

--- a/teaching/cs513-autocps-fall-2025/slides/ModelsOfComputation.pptx
+++ b/teaching/cs513-autocps-fall-2025/slides/ModelsOfComputation.pptx
@@ -5,10 +5,10 @@
     <p:sldMasterId id="2147483648" r:id="rId1"/>
   </p:sldMasterIdLst>
   <p:notesMasterIdLst>
-    <p:notesMasterId r:id="rId57"/>
+    <p:notesMasterId r:id="rId56"/>
   </p:notesMasterIdLst>
   <p:handoutMasterIdLst>
-    <p:handoutMasterId r:id="rId58"/>
+    <p:handoutMasterId r:id="rId57"/>
   </p:handoutMasterIdLst>
   <p:sldIdLst>
     <p:sldId id="341" r:id="rId2"/>
@@ -50,22 +50,21 @@
     <p:sldId id="280" r:id="rId38"/>
     <p:sldId id="338" r:id="rId39"/>
     <p:sldId id="347" r:id="rId40"/>
-    <p:sldId id="348" r:id="rId41"/>
-    <p:sldId id="325" r:id="rId42"/>
-    <p:sldId id="327" r:id="rId43"/>
-    <p:sldId id="326" r:id="rId44"/>
-    <p:sldId id="292" r:id="rId45"/>
-    <p:sldId id="328" r:id="rId46"/>
-    <p:sldId id="329" r:id="rId47"/>
-    <p:sldId id="294" r:id="rId48"/>
-    <p:sldId id="295" r:id="rId49"/>
-    <p:sldId id="296" r:id="rId50"/>
-    <p:sldId id="297" r:id="rId51"/>
-    <p:sldId id="330" r:id="rId52"/>
-    <p:sldId id="331" r:id="rId53"/>
-    <p:sldId id="305" r:id="rId54"/>
-    <p:sldId id="306" r:id="rId55"/>
-    <p:sldId id="340" r:id="rId56"/>
+    <p:sldId id="325" r:id="rId41"/>
+    <p:sldId id="327" r:id="rId42"/>
+    <p:sldId id="326" r:id="rId43"/>
+    <p:sldId id="292" r:id="rId44"/>
+    <p:sldId id="328" r:id="rId45"/>
+    <p:sldId id="329" r:id="rId46"/>
+    <p:sldId id="294" r:id="rId47"/>
+    <p:sldId id="295" r:id="rId48"/>
+    <p:sldId id="296" r:id="rId49"/>
+    <p:sldId id="297" r:id="rId50"/>
+    <p:sldId id="330" r:id="rId51"/>
+    <p:sldId id="331" r:id="rId52"/>
+    <p:sldId id="305" r:id="rId53"/>
+    <p:sldId id="306" r:id="rId54"/>
+    <p:sldId id="340" r:id="rId55"/>
   </p:sldIdLst>
   <p:sldSz cx="12192000" cy="6858000"/>
   <p:notesSz cx="6858000" cy="9144000"/>
@@ -269,7 +268,7 @@
           <a:p>
             <a:fld id="{459B985A-4C37-4D1F-A437-E4A951A85D11}" type="datetimeFigureOut">
               <a:rPr lang="en-US" smtClean="0"/>
-              <a:t>8/25/2025</a:t>
+              <a:t>9/8/2025</a:t>
             </a:fld>
             <a:endParaRPr lang="en-US"/>
           </a:p>
@@ -670,7 +669,7 @@
           <a:p>
             <a:fld id="{6580C23F-98B7-41D4-A9FA-15A275A51486}" type="datetimeFigureOut">
               <a:rPr lang="en-US" smtClean="0"/>
-              <a:t>8/25/2025</a:t>
+              <a:t>9/8/2025</a:t>
             </a:fld>
             <a:endParaRPr lang="en-US"/>
           </a:p>
@@ -1219,7 +1218,7 @@
           <a:p>
             <a:fld id="{E586B107-AA8F-4C65-A94C-468C6EEC3A14}" type="slidenum">
               <a:rPr lang="en-US" smtClean="0"/>
-              <a:t>47</a:t>
+              <a:t>46</a:t>
             </a:fld>
             <a:endParaRPr lang="en-US"/>
           </a:p>
@@ -1608,7 +1607,7 @@
           <p:nvPr userDrawn="1"/>
         </p:nvPicPr>
         <mc:AlternateContent xmlns:mc="http://schemas.openxmlformats.org/markup-compatibility/2006">
-          <mc:Choice xmlns="" xmlns:mv="urn:schemas-microsoft-com:mac:vml" xmlns:ma="http://schemas.microsoft.com/office/mac/drawingml/2008/main" Requires="ma">
+          <mc:Choice xmlns:ma="http://schemas.microsoft.com/office/mac/drawingml/2008/main" xmlns:mv="urn:schemas-microsoft-com:mac:vml" xmlns="" Requires="ma">
             <p:blipFill>
               <a:blip r:embed="rId3"/>
               <a:stretch>
@@ -30283,13 +30282,21 @@
           <a:p>
             <a:r>
               <a:rPr lang="en-US" dirty="0"/>
-              <a:t>Homework assignments, discussions on Piazza</a:t>
+              <a:t>Homework assignments: Brightspace. Discussions: Piazza</a:t>
             </a:r>
           </a:p>
           <a:p>
             <a:r>
               <a:rPr lang="en-US" dirty="0"/>
-              <a:t>TAs: Vidisha Kudalkar, Sheryl Paul</a:t>
+              <a:t>TAs: </a:t>
+            </a:r>
+            <a:r>
+              <a:rPr lang="en-US" dirty="0" err="1"/>
+              <a:t>Yuriy</a:t>
+            </a:r>
+            <a:r>
+              <a:rPr lang="en-US" dirty="0"/>
+              <a:t> Biktairov</a:t>
             </a:r>
           </a:p>
           <a:p>
@@ -30589,124 +30596,6 @@
       </p:grpSpPr>
       <p:sp>
         <p:nvSpPr>
-          <p:cNvPr id="2" name="Content Placeholder 1">
-            <a:extLst>
-              <a:ext uri="{FF2B5EF4-FFF2-40B4-BE49-F238E27FC236}">
-                <a16:creationId xmlns:a16="http://schemas.microsoft.com/office/drawing/2014/main" id="{2C928B22-E337-1824-928D-4C547384E8DD}"/>
-              </a:ext>
-            </a:extLst>
-          </p:cNvPr>
-          <p:cNvSpPr>
-            <a:spLocks noGrp="1"/>
-          </p:cNvSpPr>
-          <p:nvPr>
-            <p:ph idx="1"/>
-          </p:nvPr>
-        </p:nvSpPr>
-        <p:spPr>
-          <a:xfrm>
-            <a:off x="246456" y="1552575"/>
-            <a:ext cx="11699087" cy="3921916"/>
-          </a:xfrm>
-        </p:spPr>
-        <p:txBody>
-          <a:bodyPr/>
-          <a:lstStyle/>
-          <a:p>
-            <a:endParaRPr lang="en-US" dirty="0"/>
-          </a:p>
-        </p:txBody>
-      </p:sp>
-      <p:sp>
-        <p:nvSpPr>
-          <p:cNvPr id="3" name="Title 2">
-            <a:extLst>
-              <a:ext uri="{FF2B5EF4-FFF2-40B4-BE49-F238E27FC236}">
-                <a16:creationId xmlns:a16="http://schemas.microsoft.com/office/drawing/2014/main" id="{E3B806F7-930C-9802-201B-0ECAD18B8D93}"/>
-              </a:ext>
-            </a:extLst>
-          </p:cNvPr>
-          <p:cNvSpPr>
-            <a:spLocks noGrp="1"/>
-          </p:cNvSpPr>
-          <p:nvPr>
-            <p:ph type="title"/>
-          </p:nvPr>
-        </p:nvSpPr>
-        <p:spPr/>
-        <p:txBody>
-          <a:bodyPr/>
-          <a:lstStyle/>
-          <a:p>
-            <a:r>
-              <a:rPr lang="en-US" dirty="0"/>
-              <a:t>Announcements/Logistics</a:t>
-            </a:r>
-          </a:p>
-        </p:txBody>
-      </p:sp>
-      <p:sp>
-        <p:nvSpPr>
-          <p:cNvPr id="4" name="Slide Number Placeholder 3">
-            <a:extLst>
-              <a:ext uri="{FF2B5EF4-FFF2-40B4-BE49-F238E27FC236}">
-                <a16:creationId xmlns:a16="http://schemas.microsoft.com/office/drawing/2014/main" id="{EE3967F0-EED5-6284-8F3A-85EB6F51F3DB}"/>
-              </a:ext>
-            </a:extLst>
-          </p:cNvPr>
-          <p:cNvSpPr>
-            <a:spLocks noGrp="1"/>
-          </p:cNvSpPr>
-          <p:nvPr>
-            <p:ph type="sldNum" sz="quarter" idx="12"/>
-          </p:nvPr>
-        </p:nvSpPr>
-        <p:spPr/>
-        <p:txBody>
-          <a:bodyPr/>
-          <a:lstStyle/>
-          <a:p>
-            <a:fld id="{29AAD378-655A-49C6-813C-9FD132EF7440}" type="slidenum">
-              <a:rPr lang="en-US" smtClean="0"/>
-              <a:pPr/>
-              <a:t>40</a:t>
-            </a:fld>
-            <a:endParaRPr lang="en-US" dirty="0"/>
-          </a:p>
-        </p:txBody>
-      </p:sp>
-    </p:spTree>
-    <p:extLst>
-      <p:ext uri="{BB962C8B-B14F-4D97-AF65-F5344CB8AC3E}">
-        <p14:creationId xmlns:p14="http://schemas.microsoft.com/office/powerpoint/2010/main" val="3320461320"/>
-      </p:ext>
-    </p:extLst>
-  </p:cSld>
-  <p:clrMapOvr>
-    <a:masterClrMapping/>
-  </p:clrMapOvr>
-</p:sld>
-</file>
-
-<file path=ppt/slides/slide41.xml><?xml version="1.0" encoding="utf-8"?>
-<p:sld xmlns:a="http://schemas.openxmlformats.org/drawingml/2006/main" xmlns:r="http://schemas.openxmlformats.org/officeDocument/2006/relationships" xmlns:p="http://schemas.openxmlformats.org/presentationml/2006/main">
-  <p:cSld>
-    <p:spTree>
-      <p:nvGrpSpPr>
-        <p:cNvPr id="1" name=""/>
-        <p:cNvGrpSpPr/>
-        <p:nvPr/>
-      </p:nvGrpSpPr>
-      <p:grpSpPr>
-        <a:xfrm>
-          <a:off x="0" y="0"/>
-          <a:ext cx="0" cy="0"/>
-          <a:chOff x="0" y="0"/>
-          <a:chExt cx="0" cy="0"/>
-        </a:xfrm>
-      </p:grpSpPr>
-      <p:sp>
-        <p:nvSpPr>
           <p:cNvPr id="3" name="Title 2">
             <a:extLst>
               <a:ext uri="{FF2B5EF4-FFF2-40B4-BE49-F238E27FC236}">
@@ -30757,7 +30646,7 @@
             <a:fld id="{29AAD378-655A-49C6-813C-9FD132EF7440}" type="slidenum">
               <a:rPr lang="en-US" smtClean="0"/>
               <a:pPr/>
-              <a:t>41</a:t>
+              <a:t>40</a:t>
             </a:fld>
             <a:endParaRPr lang="en-US"/>
           </a:p>
@@ -30855,7 +30744,7 @@
 </p:sld>
 </file>
 
-<file path=ppt/slides/slide42.xml><?xml version="1.0" encoding="utf-8"?>
+<file path=ppt/slides/slide41.xml><?xml version="1.0" encoding="utf-8"?>
 <p:sld xmlns:a="http://schemas.openxmlformats.org/drawingml/2006/main" xmlns:r="http://schemas.openxmlformats.org/officeDocument/2006/relationships" xmlns:p="http://schemas.openxmlformats.org/presentationml/2006/main">
   <p:cSld>
     <p:spTree>
@@ -31150,7 +31039,7 @@
             <a:fld id="{29AAD378-655A-49C6-813C-9FD132EF7440}" type="slidenum">
               <a:rPr lang="en-US" smtClean="0"/>
               <a:pPr/>
-              <a:t>42</a:t>
+              <a:t>41</a:t>
             </a:fld>
             <a:endParaRPr lang="en-US" dirty="0"/>
           </a:p>
@@ -31853,7 +31742,7 @@
 </p:sld>
 </file>
 
-<file path=ppt/slides/slide43.xml><?xml version="1.0" encoding="utf-8"?>
+<file path=ppt/slides/slide42.xml><?xml version="1.0" encoding="utf-8"?>
 <p:sld xmlns:a="http://schemas.openxmlformats.org/drawingml/2006/main" xmlns:r="http://schemas.openxmlformats.org/officeDocument/2006/relationships" xmlns:p="http://schemas.openxmlformats.org/presentationml/2006/main">
   <p:cSld>
     <p:spTree>
@@ -31922,7 +31811,7 @@
             <a:fld id="{29AAD378-655A-49C6-813C-9FD132EF7440}" type="slidenum">
               <a:rPr lang="en-US" smtClean="0"/>
               <a:pPr/>
-              <a:t>43</a:t>
+              <a:t>42</a:t>
             </a:fld>
             <a:endParaRPr lang="en-US"/>
           </a:p>
@@ -32943,7 +32832,7 @@
 </p:sld>
 </file>
 
-<file path=ppt/slides/slide44.xml><?xml version="1.0" encoding="utf-8"?>
+<file path=ppt/slides/slide43.xml><?xml version="1.0" encoding="utf-8"?>
 <p:sld xmlns:a="http://schemas.openxmlformats.org/drawingml/2006/main" xmlns:r="http://schemas.openxmlformats.org/officeDocument/2006/relationships" xmlns:p="http://schemas.openxmlformats.org/presentationml/2006/main">
   <p:cSld>
     <p:spTree>
@@ -33084,7 +32973,7 @@
             <a:fld id="{29AAD378-655A-49C6-813C-9FD132EF7440}" type="slidenum">
               <a:rPr lang="en-US" smtClean="0"/>
               <a:pPr/>
-              <a:t>44</a:t>
+              <a:t>43</a:t>
             </a:fld>
             <a:endParaRPr lang="en-US" dirty="0"/>
           </a:p>
@@ -34327,7 +34216,7 @@
 </p:sld>
 </file>
 
-<file path=ppt/slides/slide45.xml><?xml version="1.0" encoding="utf-8"?>
+<file path=ppt/slides/slide44.xml><?xml version="1.0" encoding="utf-8"?>
 <p:sld xmlns:a="http://schemas.openxmlformats.org/drawingml/2006/main" xmlns:r="http://schemas.openxmlformats.org/officeDocument/2006/relationships" xmlns:p="http://schemas.openxmlformats.org/presentationml/2006/main">
   <p:cSld>
     <p:spTree>
@@ -34739,7 +34628,7 @@
             <a:fld id="{29AAD378-655A-49C6-813C-9FD132EF7440}" type="slidenum">
               <a:rPr lang="en-US" smtClean="0"/>
               <a:pPr/>
-              <a:t>45</a:t>
+              <a:t>44</a:t>
             </a:fld>
             <a:endParaRPr lang="en-US" dirty="0"/>
           </a:p>
@@ -36053,7 +35942,7 @@
 </p:sld>
 </file>
 
-<file path=ppt/slides/slide46.xml><?xml version="1.0" encoding="utf-8"?>
+<file path=ppt/slides/slide45.xml><?xml version="1.0" encoding="utf-8"?>
 <p:sld xmlns:a="http://schemas.openxmlformats.org/drawingml/2006/main" xmlns:r="http://schemas.openxmlformats.org/officeDocument/2006/relationships" xmlns:p="http://schemas.openxmlformats.org/presentationml/2006/main">
   <p:cSld>
     <p:spTree>
@@ -36227,7 +36116,7 @@
             <a:fld id="{29AAD378-655A-49C6-813C-9FD132EF7440}" type="slidenum">
               <a:rPr lang="en-US" smtClean="0"/>
               <a:pPr/>
-              <a:t>46</a:t>
+              <a:t>45</a:t>
             </a:fld>
             <a:endParaRPr lang="en-US" dirty="0"/>
           </a:p>
@@ -36930,7 +36819,7 @@
 </p:sld>
 </file>
 
-<file path=ppt/slides/slide47.xml><?xml version="1.0" encoding="utf-8"?>
+<file path=ppt/slides/slide46.xml><?xml version="1.0" encoding="utf-8"?>
 <p:sld xmlns:a="http://schemas.openxmlformats.org/drawingml/2006/main" xmlns:r="http://schemas.openxmlformats.org/officeDocument/2006/relationships" xmlns:p="http://schemas.openxmlformats.org/presentationml/2006/main" show="0">
   <p:cSld>
     <p:spTree>
@@ -37324,7 +37213,7 @@
             <a:fld id="{29AAD378-655A-49C6-813C-9FD132EF7440}" type="slidenum">
               <a:rPr lang="en-US" smtClean="0"/>
               <a:pPr/>
-              <a:t>47</a:t>
+              <a:t>46</a:t>
             </a:fld>
             <a:endParaRPr lang="en-US" dirty="0"/>
           </a:p>
@@ -37343,7 +37232,7 @@
 </p:sld>
 </file>
 
-<file path=ppt/slides/slide48.xml><?xml version="1.0" encoding="utf-8"?>
+<file path=ppt/slides/slide47.xml><?xml version="1.0" encoding="utf-8"?>
 <p:sld xmlns:a="http://schemas.openxmlformats.org/drawingml/2006/main" xmlns:r="http://schemas.openxmlformats.org/officeDocument/2006/relationships" xmlns:p="http://schemas.openxmlformats.org/presentationml/2006/main" show="0">
   <p:cSld>
     <p:spTree>
@@ -37644,7 +37533,7 @@
             <a:fld id="{29AAD378-655A-49C6-813C-9FD132EF7440}" type="slidenum">
               <a:rPr lang="en-US" smtClean="0"/>
               <a:pPr/>
-              <a:t>48</a:t>
+              <a:t>47</a:t>
             </a:fld>
             <a:endParaRPr lang="en-US" dirty="0"/>
           </a:p>
@@ -37663,7 +37552,7 @@
 </p:sld>
 </file>
 
-<file path=ppt/slides/slide49.xml><?xml version="1.0" encoding="utf-8"?>
+<file path=ppt/slides/slide48.xml><?xml version="1.0" encoding="utf-8"?>
 <p:sld xmlns:a="http://schemas.openxmlformats.org/drawingml/2006/main" xmlns:r="http://schemas.openxmlformats.org/officeDocument/2006/relationships" xmlns:p="http://schemas.openxmlformats.org/presentationml/2006/main" show="0">
   <p:cSld>
     <p:spTree>
@@ -37921,7 +37810,7 @@
             <a:fld id="{29AAD378-655A-49C6-813C-9FD132EF7440}" type="slidenum">
               <a:rPr lang="en-US" smtClean="0"/>
               <a:pPr/>
-              <a:t>49</a:t>
+              <a:t>48</a:t>
             </a:fld>
             <a:endParaRPr lang="en-US" dirty="0"/>
           </a:p>
@@ -37940,172 +37829,7 @@
 </p:sld>
 </file>
 
-<file path=ppt/slides/slide5.xml><?xml version="1.0" encoding="utf-8"?>
-<p:sld xmlns:a="http://schemas.openxmlformats.org/drawingml/2006/main" xmlns:r="http://schemas.openxmlformats.org/officeDocument/2006/relationships" xmlns:p="http://schemas.openxmlformats.org/presentationml/2006/main">
-  <p:cSld>
-    <p:spTree>
-      <p:nvGrpSpPr>
-        <p:cNvPr id="1" name=""/>
-        <p:cNvGrpSpPr/>
-        <p:nvPr/>
-      </p:nvGrpSpPr>
-      <p:grpSpPr>
-        <a:xfrm>
-          <a:off x="0" y="0"/>
-          <a:ext cx="0" cy="0"/>
-          <a:chOff x="0" y="0"/>
-          <a:chExt cx="0" cy="0"/>
-        </a:xfrm>
-      </p:grpSpPr>
-      <p:sp>
-        <p:nvSpPr>
-          <p:cNvPr id="3" name="Title 2">
-            <a:extLst>
-              <a:ext uri="{FF2B5EF4-FFF2-40B4-BE49-F238E27FC236}">
-                <a16:creationId xmlns:a16="http://schemas.microsoft.com/office/drawing/2014/main" id="{770E9C3A-B37F-4ADF-899B-AC2EA49325FB}"/>
-              </a:ext>
-            </a:extLst>
-          </p:cNvPr>
-          <p:cNvSpPr>
-            <a:spLocks noGrp="1"/>
-          </p:cNvSpPr>
-          <p:nvPr>
-            <p:ph type="title"/>
-          </p:nvPr>
-        </p:nvSpPr>
-        <p:spPr/>
-        <p:txBody>
-          <a:bodyPr>
-            <a:normAutofit/>
-          </a:bodyPr>
-          <a:lstStyle/>
-          <a:p>
-            <a:r>
-              <a:rPr lang="en-US" dirty="0"/>
-              <a:t>Models of Computation: Timing </a:t>
-            </a:r>
-          </a:p>
-        </p:txBody>
-      </p:sp>
-      <p:sp>
-        <p:nvSpPr>
-          <p:cNvPr id="2" name="Slide Number Placeholder 1">
-            <a:extLst>
-              <a:ext uri="{FF2B5EF4-FFF2-40B4-BE49-F238E27FC236}">
-                <a16:creationId xmlns:a16="http://schemas.microsoft.com/office/drawing/2014/main" id="{1AE16A3D-14D0-425C-BAB8-6A2B3AF51658}"/>
-              </a:ext>
-            </a:extLst>
-          </p:cNvPr>
-          <p:cNvSpPr>
-            <a:spLocks noGrp="1"/>
-          </p:cNvSpPr>
-          <p:nvPr>
-            <p:ph type="sldNum" sz="quarter" idx="12"/>
-          </p:nvPr>
-        </p:nvSpPr>
-        <p:spPr/>
-        <p:txBody>
-          <a:bodyPr/>
-          <a:lstStyle/>
-          <a:p>
-            <a:fld id="{29AAD378-655A-49C6-813C-9FD132EF7440}" type="slidenum">
-              <a:rPr lang="en-US" smtClean="0"/>
-              <a:pPr/>
-              <a:t>5</a:t>
-            </a:fld>
-            <a:endParaRPr lang="en-US"/>
-          </a:p>
-        </p:txBody>
-      </p:sp>
-      <p:sp>
-        <p:nvSpPr>
-          <p:cNvPr id="6" name="Content Placeholder 1">
-            <a:extLst>
-              <a:ext uri="{FF2B5EF4-FFF2-40B4-BE49-F238E27FC236}">
-                <a16:creationId xmlns:a16="http://schemas.microsoft.com/office/drawing/2014/main" id="{84218C43-B4FD-44B4-A79E-8766BE7EF9C3}"/>
-              </a:ext>
-            </a:extLst>
-          </p:cNvPr>
-          <p:cNvSpPr>
-            <a:spLocks noGrp="1"/>
-          </p:cNvSpPr>
-          <p:nvPr>
-            <p:ph idx="1"/>
-          </p:nvPr>
-        </p:nvSpPr>
-        <p:spPr>
-          <a:xfrm>
-            <a:off x="201163" y="1689100"/>
-            <a:ext cx="9046474" cy="3968756"/>
-          </a:xfrm>
-        </p:spPr>
-        <p:txBody>
-          <a:bodyPr>
-            <a:normAutofit/>
-          </a:bodyPr>
-          <a:lstStyle/>
-          <a:p>
-            <a:r>
-              <a:rPr lang="en-US" dirty="0"/>
-              <a:t>What’s the notion of time in the model?</a:t>
-            </a:r>
-          </a:p>
-          <a:p>
-            <a:pPr lvl="1"/>
-            <a:r>
-              <a:rPr lang="en-US" dirty="0"/>
-              <a:t>Real-time or Logical time-steps of execution?</a:t>
-            </a:r>
-          </a:p>
-          <a:p>
-            <a:r>
-              <a:rPr lang="en-US" dirty="0"/>
-              <a:t>What time do different components in the model use?</a:t>
-            </a:r>
-          </a:p>
-          <a:p>
-            <a:pPr lvl="1"/>
-            <a:r>
-              <a:rPr lang="en-US" dirty="0"/>
-              <a:t>Single global clock for full synchronization?</a:t>
-            </a:r>
-          </a:p>
-          <a:p>
-            <a:pPr lvl="1"/>
-            <a:r>
-              <a:rPr lang="en-US" dirty="0"/>
-              <a:t>Different clocks in each component?</a:t>
-            </a:r>
-          </a:p>
-          <a:p>
-            <a:r>
-              <a:rPr lang="en-US" dirty="0"/>
-              <a:t>What level of granularity do we need in time?</a:t>
-            </a:r>
-          </a:p>
-          <a:p>
-            <a:pPr lvl="1"/>
-            <a:r>
-              <a:rPr lang="en-US" dirty="0"/>
-              <a:t>Discrete time-steps or Continuous dense time?</a:t>
-            </a:r>
-          </a:p>
-        </p:txBody>
-      </p:sp>
-    </p:spTree>
-    <p:extLst>
-      <p:ext uri="{BB962C8B-B14F-4D97-AF65-F5344CB8AC3E}">
-        <p14:creationId xmlns:p14="http://schemas.microsoft.com/office/powerpoint/2010/main" val="1649854485"/>
-      </p:ext>
-    </p:extLst>
-  </p:cSld>
-  <p:clrMapOvr>
-    <a:masterClrMapping/>
-  </p:clrMapOvr>
-</p:sld>
-</file>
-
-<file path=ppt/slides/slide50.xml><?xml version="1.0" encoding="utf-8"?>
+<file path=ppt/slides/slide49.xml><?xml version="1.0" encoding="utf-8"?>
 <p:sld xmlns:a="http://schemas.openxmlformats.org/drawingml/2006/main" xmlns:r="http://schemas.openxmlformats.org/officeDocument/2006/relationships" xmlns:p="http://schemas.openxmlformats.org/presentationml/2006/main">
   <p:cSld>
     <p:spTree>
@@ -38174,7 +37898,7 @@
             <a:fld id="{29AAD378-655A-49C6-813C-9FD132EF7440}" type="slidenum">
               <a:rPr lang="en-US" smtClean="0"/>
               <a:pPr/>
-              <a:t>50</a:t>
+              <a:t>49</a:t>
             </a:fld>
             <a:endParaRPr lang="en-US" dirty="0"/>
           </a:p>
@@ -40351,7 +40075,172 @@
 </p:sld>
 </file>
 
-<file path=ppt/slides/slide51.xml><?xml version="1.0" encoding="utf-8"?>
+<file path=ppt/slides/slide5.xml><?xml version="1.0" encoding="utf-8"?>
+<p:sld xmlns:a="http://schemas.openxmlformats.org/drawingml/2006/main" xmlns:r="http://schemas.openxmlformats.org/officeDocument/2006/relationships" xmlns:p="http://schemas.openxmlformats.org/presentationml/2006/main">
+  <p:cSld>
+    <p:spTree>
+      <p:nvGrpSpPr>
+        <p:cNvPr id="1" name=""/>
+        <p:cNvGrpSpPr/>
+        <p:nvPr/>
+      </p:nvGrpSpPr>
+      <p:grpSpPr>
+        <a:xfrm>
+          <a:off x="0" y="0"/>
+          <a:ext cx="0" cy="0"/>
+          <a:chOff x="0" y="0"/>
+          <a:chExt cx="0" cy="0"/>
+        </a:xfrm>
+      </p:grpSpPr>
+      <p:sp>
+        <p:nvSpPr>
+          <p:cNvPr id="3" name="Title 2">
+            <a:extLst>
+              <a:ext uri="{FF2B5EF4-FFF2-40B4-BE49-F238E27FC236}">
+                <a16:creationId xmlns:a16="http://schemas.microsoft.com/office/drawing/2014/main" id="{770E9C3A-B37F-4ADF-899B-AC2EA49325FB}"/>
+              </a:ext>
+            </a:extLst>
+          </p:cNvPr>
+          <p:cNvSpPr>
+            <a:spLocks noGrp="1"/>
+          </p:cNvSpPr>
+          <p:nvPr>
+            <p:ph type="title"/>
+          </p:nvPr>
+        </p:nvSpPr>
+        <p:spPr/>
+        <p:txBody>
+          <a:bodyPr>
+            <a:normAutofit/>
+          </a:bodyPr>
+          <a:lstStyle/>
+          <a:p>
+            <a:r>
+              <a:rPr lang="en-US" dirty="0"/>
+              <a:t>Models of Computation: Timing </a:t>
+            </a:r>
+          </a:p>
+        </p:txBody>
+      </p:sp>
+      <p:sp>
+        <p:nvSpPr>
+          <p:cNvPr id="2" name="Slide Number Placeholder 1">
+            <a:extLst>
+              <a:ext uri="{FF2B5EF4-FFF2-40B4-BE49-F238E27FC236}">
+                <a16:creationId xmlns:a16="http://schemas.microsoft.com/office/drawing/2014/main" id="{1AE16A3D-14D0-425C-BAB8-6A2B3AF51658}"/>
+              </a:ext>
+            </a:extLst>
+          </p:cNvPr>
+          <p:cNvSpPr>
+            <a:spLocks noGrp="1"/>
+          </p:cNvSpPr>
+          <p:nvPr>
+            <p:ph type="sldNum" sz="quarter" idx="12"/>
+          </p:nvPr>
+        </p:nvSpPr>
+        <p:spPr/>
+        <p:txBody>
+          <a:bodyPr/>
+          <a:lstStyle/>
+          <a:p>
+            <a:fld id="{29AAD378-655A-49C6-813C-9FD132EF7440}" type="slidenum">
+              <a:rPr lang="en-US" smtClean="0"/>
+              <a:pPr/>
+              <a:t>5</a:t>
+            </a:fld>
+            <a:endParaRPr lang="en-US"/>
+          </a:p>
+        </p:txBody>
+      </p:sp>
+      <p:sp>
+        <p:nvSpPr>
+          <p:cNvPr id="6" name="Content Placeholder 1">
+            <a:extLst>
+              <a:ext uri="{FF2B5EF4-FFF2-40B4-BE49-F238E27FC236}">
+                <a16:creationId xmlns:a16="http://schemas.microsoft.com/office/drawing/2014/main" id="{84218C43-B4FD-44B4-A79E-8766BE7EF9C3}"/>
+              </a:ext>
+            </a:extLst>
+          </p:cNvPr>
+          <p:cNvSpPr>
+            <a:spLocks noGrp="1"/>
+          </p:cNvSpPr>
+          <p:nvPr>
+            <p:ph idx="1"/>
+          </p:nvPr>
+        </p:nvSpPr>
+        <p:spPr>
+          <a:xfrm>
+            <a:off x="201163" y="1689100"/>
+            <a:ext cx="9046474" cy="3968756"/>
+          </a:xfrm>
+        </p:spPr>
+        <p:txBody>
+          <a:bodyPr>
+            <a:normAutofit/>
+          </a:bodyPr>
+          <a:lstStyle/>
+          <a:p>
+            <a:r>
+              <a:rPr lang="en-US" dirty="0"/>
+              <a:t>What’s the notion of time in the model?</a:t>
+            </a:r>
+          </a:p>
+          <a:p>
+            <a:pPr lvl="1"/>
+            <a:r>
+              <a:rPr lang="en-US" dirty="0"/>
+              <a:t>Real-time or Logical time-steps of execution?</a:t>
+            </a:r>
+          </a:p>
+          <a:p>
+            <a:r>
+              <a:rPr lang="en-US" dirty="0"/>
+              <a:t>What time do different components in the model use?</a:t>
+            </a:r>
+          </a:p>
+          <a:p>
+            <a:pPr lvl="1"/>
+            <a:r>
+              <a:rPr lang="en-US" dirty="0"/>
+              <a:t>Single global clock for full synchronization?</a:t>
+            </a:r>
+          </a:p>
+          <a:p>
+            <a:pPr lvl="1"/>
+            <a:r>
+              <a:rPr lang="en-US" dirty="0"/>
+              <a:t>Different clocks in each component?</a:t>
+            </a:r>
+          </a:p>
+          <a:p>
+            <a:r>
+              <a:rPr lang="en-US" dirty="0"/>
+              <a:t>What level of granularity do we need in time?</a:t>
+            </a:r>
+          </a:p>
+          <a:p>
+            <a:pPr lvl="1"/>
+            <a:r>
+              <a:rPr lang="en-US" dirty="0"/>
+              <a:t>Discrete time-steps or Continuous dense time?</a:t>
+            </a:r>
+          </a:p>
+        </p:txBody>
+      </p:sp>
+    </p:spTree>
+    <p:extLst>
+      <p:ext uri="{BB962C8B-B14F-4D97-AF65-F5344CB8AC3E}">
+        <p14:creationId xmlns:p14="http://schemas.microsoft.com/office/powerpoint/2010/main" val="1649854485"/>
+      </p:ext>
+    </p:extLst>
+  </p:cSld>
+  <p:clrMapOvr>
+    <a:masterClrMapping/>
+  </p:clrMapOvr>
+</p:sld>
+</file>
+
+<file path=ppt/slides/slide50.xml><?xml version="1.0" encoding="utf-8"?>
 <p:sld xmlns:a="http://schemas.openxmlformats.org/drawingml/2006/main" xmlns:r="http://schemas.openxmlformats.org/officeDocument/2006/relationships" xmlns:p="http://schemas.openxmlformats.org/presentationml/2006/main">
   <p:cSld>
     <p:spTree>
@@ -40459,7 +40348,7 @@
             <a:fld id="{29AAD378-655A-49C6-813C-9FD132EF7440}" type="slidenum">
               <a:rPr lang="en-US" smtClean="0"/>
               <a:pPr/>
-              <a:t>51</a:t>
+              <a:t>50</a:t>
             </a:fld>
             <a:endParaRPr lang="en-US" dirty="0"/>
           </a:p>
@@ -41829,7 +41718,7 @@
 </p:sld>
 </file>
 
-<file path=ppt/slides/slide52.xml><?xml version="1.0" encoding="utf-8"?>
+<file path=ppt/slides/slide51.xml><?xml version="1.0" encoding="utf-8"?>
 <p:sld xmlns:a="http://schemas.openxmlformats.org/drawingml/2006/main" xmlns:r="http://schemas.openxmlformats.org/officeDocument/2006/relationships" xmlns:p="http://schemas.openxmlformats.org/presentationml/2006/main">
   <p:cSld>
     <p:spTree>
@@ -42224,7 +42113,7 @@
             <a:fld id="{29AAD378-655A-49C6-813C-9FD132EF7440}" type="slidenum">
               <a:rPr lang="en-US" smtClean="0"/>
               <a:pPr/>
-              <a:t>52</a:t>
+              <a:t>51</a:t>
             </a:fld>
             <a:endParaRPr lang="en-US" dirty="0"/>
           </a:p>
@@ -44524,7 +44413,7 @@
 </p:sld>
 </file>
 
-<file path=ppt/slides/slide53.xml><?xml version="1.0" encoding="utf-8"?>
+<file path=ppt/slides/slide52.xml><?xml version="1.0" encoding="utf-8"?>
 <p:sld xmlns:a="http://schemas.openxmlformats.org/drawingml/2006/main" xmlns:r="http://schemas.openxmlformats.org/officeDocument/2006/relationships" xmlns:p="http://schemas.openxmlformats.org/presentationml/2006/main">
   <p:cSld>
     <p:spTree>
@@ -44593,7 +44482,7 @@
             <a:fld id="{29AAD378-655A-49C6-813C-9FD132EF7440}" type="slidenum">
               <a:rPr lang="en-US" smtClean="0"/>
               <a:pPr/>
-              <a:t>53</a:t>
+              <a:t>52</a:t>
             </a:fld>
             <a:endParaRPr lang="en-US" dirty="0"/>
           </a:p>
@@ -45956,7 +45845,7 @@
 </p:sld>
 </file>
 
-<file path=ppt/slides/slide54.xml><?xml version="1.0" encoding="utf-8"?>
+<file path=ppt/slides/slide53.xml><?xml version="1.0" encoding="utf-8"?>
 <p:sld xmlns:a="http://schemas.openxmlformats.org/drawingml/2006/main" xmlns:r="http://schemas.openxmlformats.org/officeDocument/2006/relationships" xmlns:p="http://schemas.openxmlformats.org/presentationml/2006/main">
   <p:cSld>
     <p:spTree>
@@ -46072,7 +45961,7 @@
             <a:fld id="{29AAD378-655A-49C6-813C-9FD132EF7440}" type="slidenum">
               <a:rPr lang="en-US" smtClean="0"/>
               <a:pPr/>
-              <a:t>54</a:t>
+              <a:t>53</a:t>
             </a:fld>
             <a:endParaRPr lang="en-US" dirty="0"/>
           </a:p>
@@ -48725,7 +48614,7 @@
 </p:sld>
 </file>
 
-<file path=ppt/slides/slide55.xml><?xml version="1.0" encoding="utf-8"?>
+<file path=ppt/slides/slide54.xml><?xml version="1.0" encoding="utf-8"?>
 <p:sld xmlns:a="http://schemas.openxmlformats.org/drawingml/2006/main" xmlns:r="http://schemas.openxmlformats.org/officeDocument/2006/relationships" xmlns:p="http://schemas.openxmlformats.org/presentationml/2006/main">
   <p:cSld>
     <p:spTree>
@@ -48849,7 +48738,7 @@
             <a:fld id="{29AAD378-655A-49C6-813C-9FD132EF7440}" type="slidenum">
               <a:rPr lang="en-US" smtClean="0"/>
               <a:pPr/>
-              <a:t>55</a:t>
+              <a:t>54</a:t>
             </a:fld>
             <a:endParaRPr lang="en-US" dirty="0"/>
           </a:p>
